--- a/figs/trend_map_with_ridges.pptx
+++ b/figs/trend_map_with_ridges.pptx
@@ -243,7 +243,7 @@
           <a:p>
             <a:fld id="{A7CA8AF3-283E-6F4B-B13D-79F251075457}" type="datetimeFigureOut">
               <a:rPr lang="en-US" smtClean="0"/>
-              <a:t>3/1/22</a:t>
+              <a:t>3/28/22</a:t>
             </a:fld>
             <a:endParaRPr lang="en-US"/>
           </a:p>
@@ -413,7 +413,7 @@
           <a:p>
             <a:fld id="{A7CA8AF3-283E-6F4B-B13D-79F251075457}" type="datetimeFigureOut">
               <a:rPr lang="en-US" smtClean="0"/>
-              <a:t>3/1/22</a:t>
+              <a:t>3/28/22</a:t>
             </a:fld>
             <a:endParaRPr lang="en-US"/>
           </a:p>
@@ -593,7 +593,7 @@
           <a:p>
             <a:fld id="{A7CA8AF3-283E-6F4B-B13D-79F251075457}" type="datetimeFigureOut">
               <a:rPr lang="en-US" smtClean="0"/>
-              <a:t>3/1/22</a:t>
+              <a:t>3/28/22</a:t>
             </a:fld>
             <a:endParaRPr lang="en-US"/>
           </a:p>
@@ -763,7 +763,7 @@
           <a:p>
             <a:fld id="{A7CA8AF3-283E-6F4B-B13D-79F251075457}" type="datetimeFigureOut">
               <a:rPr lang="en-US" smtClean="0"/>
-              <a:t>3/1/22</a:t>
+              <a:t>3/28/22</a:t>
             </a:fld>
             <a:endParaRPr lang="en-US"/>
           </a:p>
@@ -1007,7 +1007,7 @@
           <a:p>
             <a:fld id="{A7CA8AF3-283E-6F4B-B13D-79F251075457}" type="datetimeFigureOut">
               <a:rPr lang="en-US" smtClean="0"/>
-              <a:t>3/1/22</a:t>
+              <a:t>3/28/22</a:t>
             </a:fld>
             <a:endParaRPr lang="en-US"/>
           </a:p>
@@ -1239,7 +1239,7 @@
           <a:p>
             <a:fld id="{A7CA8AF3-283E-6F4B-B13D-79F251075457}" type="datetimeFigureOut">
               <a:rPr lang="en-US" smtClean="0"/>
-              <a:t>3/1/22</a:t>
+              <a:t>3/28/22</a:t>
             </a:fld>
             <a:endParaRPr lang="en-US"/>
           </a:p>
@@ -1606,7 +1606,7 @@
           <a:p>
             <a:fld id="{A7CA8AF3-283E-6F4B-B13D-79F251075457}" type="datetimeFigureOut">
               <a:rPr lang="en-US" smtClean="0"/>
-              <a:t>3/1/22</a:t>
+              <a:t>3/28/22</a:t>
             </a:fld>
             <a:endParaRPr lang="en-US"/>
           </a:p>
@@ -1724,7 +1724,7 @@
           <a:p>
             <a:fld id="{A7CA8AF3-283E-6F4B-B13D-79F251075457}" type="datetimeFigureOut">
               <a:rPr lang="en-US" smtClean="0"/>
-              <a:t>3/1/22</a:t>
+              <a:t>3/28/22</a:t>
             </a:fld>
             <a:endParaRPr lang="en-US"/>
           </a:p>
@@ -1819,7 +1819,7 @@
           <a:p>
             <a:fld id="{A7CA8AF3-283E-6F4B-B13D-79F251075457}" type="datetimeFigureOut">
               <a:rPr lang="en-US" smtClean="0"/>
-              <a:t>3/1/22</a:t>
+              <a:t>3/28/22</a:t>
             </a:fld>
             <a:endParaRPr lang="en-US"/>
           </a:p>
@@ -2096,7 +2096,7 @@
           <a:p>
             <a:fld id="{A7CA8AF3-283E-6F4B-B13D-79F251075457}" type="datetimeFigureOut">
               <a:rPr lang="en-US" smtClean="0"/>
-              <a:t>3/1/22</a:t>
+              <a:t>3/28/22</a:t>
             </a:fld>
             <a:endParaRPr lang="en-US"/>
           </a:p>
@@ -2353,7 +2353,7 @@
           <a:p>
             <a:fld id="{A7CA8AF3-283E-6F4B-B13D-79F251075457}" type="datetimeFigureOut">
               <a:rPr lang="en-US" smtClean="0"/>
-              <a:t>3/1/22</a:t>
+              <a:t>3/28/22</a:t>
             </a:fld>
             <a:endParaRPr lang="en-US"/>
           </a:p>
@@ -2566,7 +2566,7 @@
           <a:p>
             <a:fld id="{A7CA8AF3-283E-6F4B-B13D-79F251075457}" type="datetimeFigureOut">
               <a:rPr lang="en-US" smtClean="0"/>
-              <a:t>3/1/22</a:t>
+              <a:t>3/28/22</a:t>
             </a:fld>
             <a:endParaRPr lang="en-US"/>
           </a:p>
@@ -2973,10 +2973,10 @@
       </p:grpSpPr>
       <p:pic>
         <p:nvPicPr>
-          <p:cNvPr id="2" name="Picture 1">
+          <p:cNvPr id="9" name="Picture 8">
             <a:extLst>
               <a:ext uri="{FF2B5EF4-FFF2-40B4-BE49-F238E27FC236}">
-                <a16:creationId xmlns:a16="http://schemas.microsoft.com/office/drawing/2014/main" id="{4A13FC69-E367-B847-98A9-39AA1BF859FE}"/>
+                <a16:creationId xmlns:a16="http://schemas.microsoft.com/office/drawing/2014/main" id="{63A43353-18DE-634C-8ED7-C8284C54A064}"/>
               </a:ext>
             </a:extLst>
           </p:cNvPr>
@@ -2985,15 +2985,16 @@
           </p:cNvPicPr>
           <p:nvPr/>
         </p:nvPicPr>
-        <p:blipFill rotWithShape="1">
+        <p:blipFill>
           <a:blip r:embed="rId2"/>
-          <a:srcRect l="1522"/>
-          <a:stretch/>
+          <a:stretch>
+            <a:fillRect/>
+          </a:stretch>
         </p:blipFill>
         <p:spPr>
           <a:xfrm>
-            <a:off x="233280" y="0"/>
-            <a:ext cx="3580308" cy="5453450"/>
+            <a:off x="131456" y="32950"/>
+            <a:ext cx="3635633" cy="5453450"/>
           </a:xfrm>
           <a:prstGeom prst="rect">
             <a:avLst/>
@@ -3002,10 +3003,10 @@
       </p:pic>
       <p:pic>
         <p:nvPicPr>
-          <p:cNvPr id="5" name="Picture 4">
+          <p:cNvPr id="11" name="Picture 10">
             <a:extLst>
               <a:ext uri="{FF2B5EF4-FFF2-40B4-BE49-F238E27FC236}">
-                <a16:creationId xmlns:a16="http://schemas.microsoft.com/office/drawing/2014/main" id="{0ED9B4AE-D4EE-A046-A1EB-67256C45AB61}"/>
+                <a16:creationId xmlns:a16="http://schemas.microsoft.com/office/drawing/2014/main" id="{69CD5B23-7EFD-5940-8EDC-20DC66A0CECB}"/>
               </a:ext>
             </a:extLst>
           </p:cNvPr>
@@ -3022,8 +3023,8 @@
         </p:blipFill>
         <p:spPr>
           <a:xfrm>
-            <a:off x="3772111" y="16475"/>
-            <a:ext cx="1896852" cy="5453450"/>
+            <a:off x="3764585" y="-8237"/>
+            <a:ext cx="1909420" cy="5486400"/>
           </a:xfrm>
           <a:prstGeom prst="rect">
             <a:avLst/>
@@ -3044,7 +3045,7 @@
         </p:nvSpPr>
         <p:spPr>
           <a:xfrm>
-            <a:off x="-47895" y="-60434"/>
+            <a:off x="-64371" y="-60434"/>
             <a:ext cx="338554" cy="369332"/>
           </a:xfrm>
           <a:prstGeom prst="rect">
